--- a/android/settings/doc/slides.pptx
+++ b/android/settings/doc/slides.pptx
@@ -110,6 +110,11 @@
       </a:defRPr>
     </a:lvl9pPr>
   </p:defaultTextStyle>
+  <p:extLst>
+    <p:ext uri="{EFAFB233-063F-42B5-8137-9DF3F51BA10A}">
+      <p15:sldGuideLst xmlns:p15="http://schemas.microsoft.com/office/powerpoint/2012/main"/>
+    </p:ext>
+  </p:extLst>
 </p:presentation>
 </file>
 
@@ -195,7 +200,7 @@
           <a:p>
             <a:fld id="{E533A45E-75A9-4D6D-886F-7082AAE652C7}" type="datetimeFigureOut">
               <a:rPr lang="en-US" smtClean="0"/>
-              <a:t>7/30/2015</a:t>
+              <a:t>8/6/2015</a:t>
             </a:fld>
             <a:endParaRPr lang="en-US"/>
           </a:p>
@@ -3916,7 +3921,7 @@
         </p:nvSpPr>
         <p:spPr>
           <a:xfrm>
-            <a:off x="4412514" y="5201179"/>
+            <a:off x="4464768" y="5201179"/>
             <a:ext cx="2940766" cy="873299"/>
           </a:xfrm>
           <a:prstGeom prst="rect">
@@ -3986,7 +3991,7 @@
       </p:sp>
       <p:pic>
         <p:nvPicPr>
-          <p:cNvPr id="10" name="Picture 9"/>
+          <p:cNvPr id="2" name="Picture 1"/>
           <p:cNvPicPr>
             <a:picLocks noChangeAspect="1"/>
           </p:cNvPicPr>
@@ -4006,8 +4011,8 @@
         </p:blipFill>
         <p:spPr>
           <a:xfrm>
-            <a:off x="1471747" y="365125"/>
-            <a:ext cx="2940767" cy="4558937"/>
+            <a:off x="1532996" y="182562"/>
+            <a:ext cx="2879518" cy="5119144"/>
           </a:xfrm>
           <a:prstGeom prst="rect">
             <a:avLst/>
@@ -4016,7 +4021,7 @@
       </p:pic>
       <p:pic>
         <p:nvPicPr>
-          <p:cNvPr id="11" name="Picture 10"/>
+          <p:cNvPr id="3" name="Picture 2"/>
           <p:cNvPicPr>
             <a:picLocks noChangeAspect="1"/>
           </p:cNvPicPr>
@@ -4036,8 +4041,8 @@
         </p:blipFill>
         <p:spPr>
           <a:xfrm>
-            <a:off x="4545875" y="365125"/>
-            <a:ext cx="2807406" cy="4558937"/>
+            <a:off x="4546563" y="193992"/>
+            <a:ext cx="2873090" cy="5107714"/>
           </a:xfrm>
           <a:prstGeom prst="rect">
             <a:avLst/>
@@ -4046,7 +4051,7 @@
       </p:pic>
       <p:pic>
         <p:nvPicPr>
-          <p:cNvPr id="12" name="Picture 11"/>
+          <p:cNvPr id="13" name="Picture 12"/>
           <p:cNvPicPr>
             <a:picLocks noChangeAspect="1"/>
           </p:cNvPicPr>
@@ -4066,8 +4071,8 @@
         </p:blipFill>
         <p:spPr>
           <a:xfrm>
-            <a:off x="7433773" y="365125"/>
-            <a:ext cx="2940766" cy="4558937"/>
+            <a:off x="7570518" y="193992"/>
+            <a:ext cx="2855614" cy="5119144"/>
           </a:xfrm>
           <a:prstGeom prst="rect">
             <a:avLst/>
